--- a/presentation/Abschlusspräsentation.pptx
+++ b/presentation/Abschlusspräsentation.pptx
@@ -22,20 +22,21 @@
     <p:sldId id="273" r:id="rId16"/>
     <p:sldId id="274" r:id="rId17"/>
     <p:sldId id="275" r:id="rId18"/>
-    <p:sldId id="276" r:id="rId19"/>
-    <p:sldId id="279" r:id="rId20"/>
-    <p:sldId id="278" r:id="rId21"/>
-    <p:sldId id="280" r:id="rId22"/>
-    <p:sldId id="281" r:id="rId23"/>
-    <p:sldId id="282" r:id="rId24"/>
-    <p:sldId id="283" r:id="rId25"/>
-    <p:sldId id="284" r:id="rId26"/>
-    <p:sldId id="285" r:id="rId27"/>
-    <p:sldId id="286" r:id="rId28"/>
-    <p:sldId id="277" r:id="rId29"/>
-    <p:sldId id="287" r:id="rId30"/>
-    <p:sldId id="289" r:id="rId31"/>
-    <p:sldId id="288" r:id="rId32"/>
+    <p:sldId id="290" r:id="rId19"/>
+    <p:sldId id="276" r:id="rId20"/>
+    <p:sldId id="279" r:id="rId21"/>
+    <p:sldId id="278" r:id="rId22"/>
+    <p:sldId id="280" r:id="rId23"/>
+    <p:sldId id="281" r:id="rId24"/>
+    <p:sldId id="282" r:id="rId25"/>
+    <p:sldId id="283" r:id="rId26"/>
+    <p:sldId id="284" r:id="rId27"/>
+    <p:sldId id="285" r:id="rId28"/>
+    <p:sldId id="286" r:id="rId29"/>
+    <p:sldId id="277" r:id="rId30"/>
+    <p:sldId id="287" r:id="rId31"/>
+    <p:sldId id="289" r:id="rId32"/>
+    <p:sldId id="288" r:id="rId33"/>
   </p:sldIdLst>
   <p:sldSz cx="12192000" cy="6858000"/>
   <p:notesSz cx="6858000" cy="9144000"/>
@@ -289,7 +290,7 @@
           <a:p>
             <a:fld id="{222C3852-66D6-4EBD-9253-454E359459CF}" type="datetimeFigureOut">
               <a:rPr lang="de-DE" smtClean="0"/>
-              <a:t>17.01.2025</a:t>
+              <a:t>19.01.2025</a:t>
             </a:fld>
             <a:endParaRPr lang="de-DE"/>
           </a:p>
@@ -487,7 +488,7 @@
           <a:p>
             <a:fld id="{222C3852-66D6-4EBD-9253-454E359459CF}" type="datetimeFigureOut">
               <a:rPr lang="de-DE" smtClean="0"/>
-              <a:t>17.01.2025</a:t>
+              <a:t>19.01.2025</a:t>
             </a:fld>
             <a:endParaRPr lang="de-DE"/>
           </a:p>
@@ -695,7 +696,7 @@
           <a:p>
             <a:fld id="{222C3852-66D6-4EBD-9253-454E359459CF}" type="datetimeFigureOut">
               <a:rPr lang="de-DE" smtClean="0"/>
-              <a:t>17.01.2025</a:t>
+              <a:t>19.01.2025</a:t>
             </a:fld>
             <a:endParaRPr lang="de-DE"/>
           </a:p>
@@ -893,7 +894,7 @@
           <a:p>
             <a:fld id="{222C3852-66D6-4EBD-9253-454E359459CF}" type="datetimeFigureOut">
               <a:rPr lang="de-DE" smtClean="0"/>
-              <a:t>17.01.2025</a:t>
+              <a:t>19.01.2025</a:t>
             </a:fld>
             <a:endParaRPr lang="de-DE"/>
           </a:p>
@@ -1168,7 +1169,7 @@
           <a:p>
             <a:fld id="{222C3852-66D6-4EBD-9253-454E359459CF}" type="datetimeFigureOut">
               <a:rPr lang="de-DE" smtClean="0"/>
-              <a:t>17.01.2025</a:t>
+              <a:t>19.01.2025</a:t>
             </a:fld>
             <a:endParaRPr lang="de-DE"/>
           </a:p>
@@ -1433,7 +1434,7 @@
           <a:p>
             <a:fld id="{222C3852-66D6-4EBD-9253-454E359459CF}" type="datetimeFigureOut">
               <a:rPr lang="de-DE" smtClean="0"/>
-              <a:t>17.01.2025</a:t>
+              <a:t>19.01.2025</a:t>
             </a:fld>
             <a:endParaRPr lang="de-DE"/>
           </a:p>
@@ -1845,7 +1846,7 @@
           <a:p>
             <a:fld id="{222C3852-66D6-4EBD-9253-454E359459CF}" type="datetimeFigureOut">
               <a:rPr lang="de-DE" smtClean="0"/>
-              <a:t>17.01.2025</a:t>
+              <a:t>19.01.2025</a:t>
             </a:fld>
             <a:endParaRPr lang="de-DE"/>
           </a:p>
@@ -1986,7 +1987,7 @@
           <a:p>
             <a:fld id="{222C3852-66D6-4EBD-9253-454E359459CF}" type="datetimeFigureOut">
               <a:rPr lang="de-DE" smtClean="0"/>
-              <a:t>17.01.2025</a:t>
+              <a:t>19.01.2025</a:t>
             </a:fld>
             <a:endParaRPr lang="de-DE"/>
           </a:p>
@@ -2099,7 +2100,7 @@
           <a:p>
             <a:fld id="{222C3852-66D6-4EBD-9253-454E359459CF}" type="datetimeFigureOut">
               <a:rPr lang="de-DE" smtClean="0"/>
-              <a:t>17.01.2025</a:t>
+              <a:t>19.01.2025</a:t>
             </a:fld>
             <a:endParaRPr lang="de-DE"/>
           </a:p>
@@ -2410,7 +2411,7 @@
           <a:p>
             <a:fld id="{222C3852-66D6-4EBD-9253-454E359459CF}" type="datetimeFigureOut">
               <a:rPr lang="de-DE" smtClean="0"/>
-              <a:t>17.01.2025</a:t>
+              <a:t>19.01.2025</a:t>
             </a:fld>
             <a:endParaRPr lang="de-DE"/>
           </a:p>
@@ -2698,7 +2699,7 @@
           <a:p>
             <a:fld id="{222C3852-66D6-4EBD-9253-454E359459CF}" type="datetimeFigureOut">
               <a:rPr lang="de-DE" smtClean="0"/>
-              <a:t>17.01.2025</a:t>
+              <a:t>19.01.2025</a:t>
             </a:fld>
             <a:endParaRPr lang="de-DE"/>
           </a:p>
@@ -2939,7 +2940,7 @@
           <a:p>
             <a:fld id="{222C3852-66D6-4EBD-9253-454E359459CF}" type="datetimeFigureOut">
               <a:rPr lang="de-DE" smtClean="0"/>
-              <a:t>17.01.2025</a:t>
+              <a:t>19.01.2025</a:t>
             </a:fld>
             <a:endParaRPr lang="de-DE"/>
           </a:p>
@@ -5245,6 +5246,281 @@
         <p:cNvPr id="1" name="">
           <a:extLst>
             <a:ext uri="{FF2B5EF4-FFF2-40B4-BE49-F238E27FC236}">
+              <a16:creationId xmlns:a16="http://schemas.microsoft.com/office/drawing/2014/main" id="{2603CE29-D9ED-E2FC-1A96-DA52D361BDE6}"/>
+            </a:ext>
+          </a:extLst>
+        </p:cNvPr>
+        <p:cNvGrpSpPr/>
+        <p:nvPr/>
+      </p:nvGrpSpPr>
+      <p:grpSpPr>
+        <a:xfrm>
+          <a:off x="0" y="0"/>
+          <a:ext cx="0" cy="0"/>
+          <a:chOff x="0" y="0"/>
+          <a:chExt cx="0" cy="0"/>
+        </a:xfrm>
+      </p:grpSpPr>
+      <p:sp>
+        <p:nvSpPr>
+          <p:cNvPr id="2" name="Titel 1">
+            <a:extLst>
+              <a:ext uri="{FF2B5EF4-FFF2-40B4-BE49-F238E27FC236}">
+                <a16:creationId xmlns:a16="http://schemas.microsoft.com/office/drawing/2014/main" id="{4E16DD49-975B-5D0E-E1E4-8D59DB48E02C}"/>
+              </a:ext>
+            </a:extLst>
+          </p:cNvPr>
+          <p:cNvSpPr>
+            <a:spLocks noGrp="1"/>
+          </p:cNvSpPr>
+          <p:nvPr>
+            <p:ph type="title"/>
+          </p:nvPr>
+        </p:nvSpPr>
+        <p:spPr/>
+        <p:txBody>
+          <a:bodyPr/>
+          <a:lstStyle/>
+          <a:p>
+            <a:r>
+              <a:rPr lang="de-DE" dirty="0"/>
+              <a:t>Game </a:t>
+            </a:r>
+            <a:r>
+              <a:rPr lang="de-DE" dirty="0" err="1"/>
+              <a:t>of</a:t>
+            </a:r>
+            <a:r>
+              <a:rPr lang="de-DE" dirty="0"/>
+              <a:t> Life Logik</a:t>
+            </a:r>
+          </a:p>
+        </p:txBody>
+      </p:sp>
+      <p:sp>
+        <p:nvSpPr>
+          <p:cNvPr id="3" name="Textplatzhalter 2">
+            <a:extLst>
+              <a:ext uri="{FF2B5EF4-FFF2-40B4-BE49-F238E27FC236}">
+                <a16:creationId xmlns:a16="http://schemas.microsoft.com/office/drawing/2014/main" id="{17ACC67D-70AB-A2C4-3C5C-1518598BE0D1}"/>
+              </a:ext>
+            </a:extLst>
+          </p:cNvPr>
+          <p:cNvSpPr>
+            <a:spLocks noGrp="1"/>
+          </p:cNvSpPr>
+          <p:nvPr>
+            <p:ph type="body" idx="1"/>
+          </p:nvPr>
+        </p:nvSpPr>
+        <p:spPr>
+          <a:xfrm>
+            <a:off x="836611" y="1424960"/>
+            <a:ext cx="5157787" cy="408797"/>
+          </a:xfrm>
+        </p:spPr>
+        <p:txBody>
+          <a:bodyPr>
+            <a:normAutofit lnSpcReduction="10000"/>
+          </a:bodyPr>
+          <a:lstStyle/>
+          <a:p>
+            <a:r>
+              <a:rPr lang="de-DE" dirty="0"/>
+              <a:t>Haskell</a:t>
+            </a:r>
+          </a:p>
+        </p:txBody>
+      </p:sp>
+      <p:sp>
+        <p:nvSpPr>
+          <p:cNvPr id="5" name="Textplatzhalter 4">
+            <a:extLst>
+              <a:ext uri="{FF2B5EF4-FFF2-40B4-BE49-F238E27FC236}">
+                <a16:creationId xmlns:a16="http://schemas.microsoft.com/office/drawing/2014/main" id="{C2253D0E-F517-73E9-A390-42DB76F52586}"/>
+              </a:ext>
+            </a:extLst>
+          </p:cNvPr>
+          <p:cNvSpPr>
+            <a:spLocks noGrp="1"/>
+          </p:cNvSpPr>
+          <p:nvPr>
+            <p:ph type="body" sz="quarter" idx="3"/>
+          </p:nvPr>
+        </p:nvSpPr>
+        <p:spPr>
+          <a:xfrm>
+            <a:off x="5994398" y="1424960"/>
+            <a:ext cx="5183188" cy="408797"/>
+          </a:xfrm>
+        </p:spPr>
+        <p:txBody>
+          <a:bodyPr>
+            <a:normAutofit lnSpcReduction="10000"/>
+          </a:bodyPr>
+          <a:lstStyle/>
+          <a:p>
+            <a:r>
+              <a:rPr lang="de-DE" dirty="0"/>
+              <a:t>Go</a:t>
+            </a:r>
+          </a:p>
+        </p:txBody>
+      </p:sp>
+      <p:pic>
+        <p:nvPicPr>
+          <p:cNvPr id="7" name="Grafik 6">
+            <a:extLst>
+              <a:ext uri="{FF2B5EF4-FFF2-40B4-BE49-F238E27FC236}">
+                <a16:creationId xmlns:a16="http://schemas.microsoft.com/office/drawing/2014/main" id="{E9A6D6F3-C2EB-5670-473B-05B702FCA08D}"/>
+              </a:ext>
+            </a:extLst>
+          </p:cNvPr>
+          <p:cNvPicPr>
+            <a:picLocks noChangeAspect="1"/>
+          </p:cNvPicPr>
+          <p:nvPr/>
+        </p:nvPicPr>
+        <p:blipFill>
+          <a:blip r:embed="rId2"/>
+          <a:stretch>
+            <a:fillRect/>
+          </a:stretch>
+        </p:blipFill>
+        <p:spPr>
+          <a:xfrm>
+            <a:off x="836611" y="1833757"/>
+            <a:ext cx="8267700" cy="485775"/>
+          </a:xfrm>
+          <a:prstGeom prst="rect">
+            <a:avLst/>
+          </a:prstGeom>
+        </p:spPr>
+      </p:pic>
+      <p:pic>
+        <p:nvPicPr>
+          <p:cNvPr id="10" name="Grafik 9">
+            <a:extLst>
+              <a:ext uri="{FF2B5EF4-FFF2-40B4-BE49-F238E27FC236}">
+                <a16:creationId xmlns:a16="http://schemas.microsoft.com/office/drawing/2014/main" id="{F3F45985-559A-85AD-6F65-4540212F97FF}"/>
+              </a:ext>
+            </a:extLst>
+          </p:cNvPr>
+          <p:cNvPicPr>
+            <a:picLocks noChangeAspect="1"/>
+          </p:cNvPicPr>
+          <p:nvPr/>
+        </p:nvPicPr>
+        <p:blipFill>
+          <a:blip r:embed="rId3"/>
+          <a:stretch>
+            <a:fillRect/>
+          </a:stretch>
+        </p:blipFill>
+        <p:spPr>
+          <a:xfrm>
+            <a:off x="5994398" y="2462601"/>
+            <a:ext cx="4762500" cy="1581150"/>
+          </a:xfrm>
+          <a:prstGeom prst="rect">
+            <a:avLst/>
+          </a:prstGeom>
+        </p:spPr>
+      </p:pic>
+      <p:pic>
+        <p:nvPicPr>
+          <p:cNvPr id="14" name="Grafik 13">
+            <a:extLst>
+              <a:ext uri="{FF2B5EF4-FFF2-40B4-BE49-F238E27FC236}">
+                <a16:creationId xmlns:a16="http://schemas.microsoft.com/office/drawing/2014/main" id="{4DADE786-225A-638E-2B97-DBDFBE0DFD2B}"/>
+              </a:ext>
+            </a:extLst>
+          </p:cNvPr>
+          <p:cNvPicPr>
+            <a:picLocks noChangeAspect="1"/>
+          </p:cNvPicPr>
+          <p:nvPr/>
+        </p:nvPicPr>
+        <p:blipFill>
+          <a:blip r:embed="rId4"/>
+          <a:stretch>
+            <a:fillRect/>
+          </a:stretch>
+        </p:blipFill>
+        <p:spPr>
+          <a:xfrm>
+            <a:off x="5994398" y="4454525"/>
+            <a:ext cx="4724400" cy="2038350"/>
+          </a:xfrm>
+          <a:prstGeom prst="rect">
+            <a:avLst/>
+          </a:prstGeom>
+        </p:spPr>
+      </p:pic>
+      <p:cxnSp>
+        <p:nvCxnSpPr>
+          <p:cNvPr id="4" name="Gerader Verbinder 3">
+            <a:extLst>
+              <a:ext uri="{FF2B5EF4-FFF2-40B4-BE49-F238E27FC236}">
+                <a16:creationId xmlns:a16="http://schemas.microsoft.com/office/drawing/2014/main" id="{9EA17F9A-F544-5936-B6B7-29D2A4F5876C}"/>
+              </a:ext>
+            </a:extLst>
+          </p:cNvPr>
+          <p:cNvCxnSpPr>
+            <a:cxnSpLocks/>
+          </p:cNvCxnSpPr>
+          <p:nvPr/>
+        </p:nvCxnSpPr>
+        <p:spPr>
+          <a:xfrm>
+            <a:off x="6277136" y="2264909"/>
+            <a:ext cx="2827175" cy="0"/>
+          </a:xfrm>
+          <a:prstGeom prst="line">
+            <a:avLst/>
+          </a:prstGeom>
+          <a:ln w="38100">
+            <a:solidFill>
+              <a:srgbClr val="FF0000"/>
+            </a:solidFill>
+          </a:ln>
+        </p:spPr>
+        <p:style>
+          <a:lnRef idx="1">
+            <a:schemeClr val="accent1"/>
+          </a:lnRef>
+          <a:fillRef idx="0">
+            <a:schemeClr val="accent1"/>
+          </a:fillRef>
+          <a:effectRef idx="0">
+            <a:schemeClr val="accent1"/>
+          </a:effectRef>
+          <a:fontRef idx="minor">
+            <a:schemeClr val="tx1"/>
+          </a:fontRef>
+        </p:style>
+      </p:cxnSp>
+    </p:spTree>
+    <p:extLst>
+      <p:ext uri="{BB962C8B-B14F-4D97-AF65-F5344CB8AC3E}">
+        <p14:creationId xmlns:p14="http://schemas.microsoft.com/office/powerpoint/2010/main" val="1751075645"/>
+      </p:ext>
+    </p:extLst>
+  </p:cSld>
+  <p:clrMapOvr>
+    <a:masterClrMapping/>
+  </p:clrMapOvr>
+</p:sld>
+</file>
+
+<file path=ppt/slides/slide19.xml><?xml version="1.0" encoding="utf-8"?>
+<p:sld xmlns:a="http://schemas.openxmlformats.org/drawingml/2006/main" xmlns:r="http://schemas.openxmlformats.org/officeDocument/2006/relationships" xmlns:p="http://schemas.openxmlformats.org/presentationml/2006/main">
+  <p:cSld>
+    <p:spTree>
+      <p:nvGrpSpPr>
+        <p:cNvPr id="1" name="">
+          <a:extLst>
+            <a:ext uri="{FF2B5EF4-FFF2-40B4-BE49-F238E27FC236}">
               <a16:creationId xmlns:a16="http://schemas.microsoft.com/office/drawing/2014/main" id="{E179DEE9-6EF1-CD23-EA75-D0E7F4E9265B}"/>
             </a:ext>
           </a:extLst>
@@ -5439,7 +5715,224 @@
 </p:sld>
 </file>
 
-<file path=ppt/slides/slide19.xml><?xml version="1.0" encoding="utf-8"?>
+<file path=ppt/slides/slide2.xml><?xml version="1.0" encoding="utf-8"?>
+<p:sld xmlns:a="http://schemas.openxmlformats.org/drawingml/2006/main" xmlns:r="http://schemas.openxmlformats.org/officeDocument/2006/relationships" xmlns:p="http://schemas.openxmlformats.org/presentationml/2006/main">
+  <p:cSld>
+    <p:spTree>
+      <p:nvGrpSpPr>
+        <p:cNvPr id="1" name=""/>
+        <p:cNvGrpSpPr/>
+        <p:nvPr/>
+      </p:nvGrpSpPr>
+      <p:grpSpPr>
+        <a:xfrm>
+          <a:off x="0" y="0"/>
+          <a:ext cx="0" cy="0"/>
+          <a:chOff x="0" y="0"/>
+          <a:chExt cx="0" cy="0"/>
+        </a:xfrm>
+      </p:grpSpPr>
+      <p:sp>
+        <p:nvSpPr>
+          <p:cNvPr id="2" name="Titel 1">
+            <a:extLst>
+              <a:ext uri="{FF2B5EF4-FFF2-40B4-BE49-F238E27FC236}">
+                <a16:creationId xmlns:a16="http://schemas.microsoft.com/office/drawing/2014/main" id="{D0B2F93A-946C-320A-7AAD-26C71E7E5062}"/>
+              </a:ext>
+            </a:extLst>
+          </p:cNvPr>
+          <p:cNvSpPr>
+            <a:spLocks noGrp="1"/>
+          </p:cNvSpPr>
+          <p:nvPr>
+            <p:ph type="title"/>
+          </p:nvPr>
+        </p:nvSpPr>
+        <p:spPr/>
+        <p:txBody>
+          <a:bodyPr/>
+          <a:lstStyle/>
+          <a:p>
+            <a:r>
+              <a:rPr lang="de-DE" dirty="0" err="1"/>
+              <a:t>Recap</a:t>
+            </a:r>
+            <a:r>
+              <a:rPr lang="de-DE" dirty="0"/>
+              <a:t>: Funktionale Programmierung</a:t>
+            </a:r>
+          </a:p>
+        </p:txBody>
+      </p:sp>
+      <p:sp>
+        <p:nvSpPr>
+          <p:cNvPr id="3" name="Inhaltsplatzhalter 2">
+            <a:extLst>
+              <a:ext uri="{FF2B5EF4-FFF2-40B4-BE49-F238E27FC236}">
+                <a16:creationId xmlns:a16="http://schemas.microsoft.com/office/drawing/2014/main" id="{9160BB67-194F-F5B4-543E-03F5A763020B}"/>
+              </a:ext>
+            </a:extLst>
+          </p:cNvPr>
+          <p:cNvSpPr>
+            <a:spLocks noGrp="1"/>
+          </p:cNvSpPr>
+          <p:nvPr>
+            <p:ph idx="1"/>
+          </p:nvPr>
+        </p:nvSpPr>
+        <p:spPr/>
+        <p:txBody>
+          <a:bodyPr/>
+          <a:lstStyle/>
+          <a:p>
+            <a:r>
+              <a:rPr lang="de-DE" sz="1800" dirty="0">
+                <a:effectLst/>
+                <a:latin typeface="Calibri" panose="020F0502020204030204" pitchFamily="34" charset="0"/>
+                <a:ea typeface="Calibri" panose="020F0502020204030204" pitchFamily="34" charset="0"/>
+                <a:cs typeface="Times New Roman" panose="02020603050405020304" pitchFamily="18" charset="0"/>
+              </a:rPr>
+              <a:t>Reine Funktionen: keine Seiteneffekte</a:t>
+            </a:r>
+          </a:p>
+          <a:p>
+            <a:r>
+              <a:rPr lang="de-DE" sz="1800" kern="100" dirty="0">
+                <a:effectLst/>
+                <a:latin typeface="Calibri" panose="020F0502020204030204" pitchFamily="34" charset="0"/>
+                <a:ea typeface="Calibri" panose="020F0502020204030204" pitchFamily="34" charset="0"/>
+                <a:cs typeface="Times New Roman" panose="02020603050405020304" pitchFamily="18" charset="0"/>
+              </a:rPr>
+              <a:t>Unveränderliche Datenstrukturen</a:t>
+            </a:r>
+          </a:p>
+          <a:p>
+            <a:r>
+              <a:rPr lang="de-DE" sz="1800" kern="100" dirty="0">
+                <a:effectLst/>
+                <a:latin typeface="Calibri" panose="020F0502020204030204" pitchFamily="34" charset="0"/>
+                <a:ea typeface="Calibri" panose="020F0502020204030204" pitchFamily="34" charset="0"/>
+                <a:cs typeface="Times New Roman" panose="02020603050405020304" pitchFamily="18" charset="0"/>
+              </a:rPr>
+              <a:t>Funktion höherer Ordnung: </a:t>
+            </a:r>
+            <a:r>
+              <a:rPr lang="de-DE" sz="1800" kern="100" dirty="0" err="1">
+                <a:effectLst/>
+                <a:latin typeface="Calibri" panose="020F0502020204030204" pitchFamily="34" charset="0"/>
+                <a:ea typeface="Calibri" panose="020F0502020204030204" pitchFamily="34" charset="0"/>
+                <a:cs typeface="Times New Roman" panose="02020603050405020304" pitchFamily="18" charset="0"/>
+              </a:rPr>
+              <a:t>functions</a:t>
+            </a:r>
+            <a:r>
+              <a:rPr lang="de-DE" sz="1800" kern="100" dirty="0">
+                <a:effectLst/>
+                <a:latin typeface="Calibri" panose="020F0502020204030204" pitchFamily="34" charset="0"/>
+                <a:ea typeface="Calibri" panose="020F0502020204030204" pitchFamily="34" charset="0"/>
+                <a:cs typeface="Times New Roman" panose="02020603050405020304" pitchFamily="18" charset="0"/>
+              </a:rPr>
+              <a:t> als Parameter oder </a:t>
+            </a:r>
+            <a:r>
+              <a:rPr lang="de-DE" sz="1800" kern="100" dirty="0" err="1">
+                <a:effectLst/>
+                <a:latin typeface="Calibri" panose="020F0502020204030204" pitchFamily="34" charset="0"/>
+                <a:ea typeface="Calibri" panose="020F0502020204030204" pitchFamily="34" charset="0"/>
+                <a:cs typeface="Times New Roman" panose="02020603050405020304" pitchFamily="18" charset="0"/>
+              </a:rPr>
+              <a:t>return</a:t>
+            </a:r>
+            <a:r>
+              <a:rPr lang="de-DE" sz="1800" kern="100" dirty="0">
+                <a:effectLst/>
+                <a:latin typeface="Calibri" panose="020F0502020204030204" pitchFamily="34" charset="0"/>
+                <a:ea typeface="Calibri" panose="020F0502020204030204" pitchFamily="34" charset="0"/>
+                <a:cs typeface="Times New Roman" panose="02020603050405020304" pitchFamily="18" charset="0"/>
+              </a:rPr>
+              <a:t> </a:t>
+            </a:r>
+            <a:r>
+              <a:rPr lang="de-DE" sz="1800" kern="100" dirty="0" err="1">
+                <a:effectLst/>
+                <a:latin typeface="Calibri" panose="020F0502020204030204" pitchFamily="34" charset="0"/>
+                <a:ea typeface="Calibri" panose="020F0502020204030204" pitchFamily="34" charset="0"/>
+                <a:cs typeface="Times New Roman" panose="02020603050405020304" pitchFamily="18" charset="0"/>
+              </a:rPr>
+              <a:t>value</a:t>
+            </a:r>
+            <a:endParaRPr lang="de-DE" sz="1800" kern="100" dirty="0">
+              <a:effectLst/>
+              <a:latin typeface="Calibri" panose="020F0502020204030204" pitchFamily="34" charset="0"/>
+              <a:ea typeface="Calibri" panose="020F0502020204030204" pitchFamily="34" charset="0"/>
+              <a:cs typeface="Times New Roman" panose="02020603050405020304" pitchFamily="18" charset="0"/>
+            </a:endParaRPr>
+          </a:p>
+          <a:p>
+            <a:r>
+              <a:rPr lang="de-DE" sz="1800" kern="100" dirty="0" err="1">
+                <a:effectLst/>
+                <a:latin typeface="Calibri" panose="020F0502020204030204" pitchFamily="34" charset="0"/>
+                <a:ea typeface="Calibri" panose="020F0502020204030204" pitchFamily="34" charset="0"/>
+                <a:cs typeface="Times New Roman" panose="02020603050405020304" pitchFamily="18" charset="0"/>
+              </a:rPr>
+              <a:t>Lazy</a:t>
+            </a:r>
+            <a:r>
+              <a:rPr lang="de-DE" sz="1800" kern="100" dirty="0">
+                <a:effectLst/>
+                <a:latin typeface="Calibri" panose="020F0502020204030204" pitchFamily="34" charset="0"/>
+                <a:ea typeface="Calibri" panose="020F0502020204030204" pitchFamily="34" charset="0"/>
+                <a:cs typeface="Times New Roman" panose="02020603050405020304" pitchFamily="18" charset="0"/>
+              </a:rPr>
+              <a:t> </a:t>
+            </a:r>
+            <a:r>
+              <a:rPr lang="de-DE" sz="1800" kern="100" dirty="0" err="1">
+                <a:effectLst/>
+                <a:latin typeface="Calibri" panose="020F0502020204030204" pitchFamily="34" charset="0"/>
+                <a:ea typeface="Calibri" panose="020F0502020204030204" pitchFamily="34" charset="0"/>
+                <a:cs typeface="Times New Roman" panose="02020603050405020304" pitchFamily="18" charset="0"/>
+              </a:rPr>
+              <a:t>evaluation</a:t>
+            </a:r>
+            <a:endParaRPr lang="de-DE" sz="1800" kern="100" dirty="0">
+              <a:effectLst/>
+              <a:latin typeface="Calibri" panose="020F0502020204030204" pitchFamily="34" charset="0"/>
+              <a:ea typeface="Calibri" panose="020F0502020204030204" pitchFamily="34" charset="0"/>
+              <a:cs typeface="Times New Roman" panose="02020603050405020304" pitchFamily="18" charset="0"/>
+            </a:endParaRPr>
+          </a:p>
+          <a:p>
+            <a:r>
+              <a:rPr lang="de-DE" sz="1800" kern="100" dirty="0">
+                <a:effectLst/>
+                <a:latin typeface="Calibri" panose="020F0502020204030204" pitchFamily="34" charset="0"/>
+                <a:ea typeface="Calibri" panose="020F0502020204030204" pitchFamily="34" charset="0"/>
+                <a:cs typeface="Times New Roman" panose="02020603050405020304" pitchFamily="18" charset="0"/>
+              </a:rPr>
+              <a:t>Keine Loops, nur Rekursion</a:t>
+            </a:r>
+          </a:p>
+          <a:p>
+            <a:endParaRPr lang="de-DE" dirty="0"/>
+          </a:p>
+        </p:txBody>
+      </p:sp>
+    </p:spTree>
+    <p:extLst>
+      <p:ext uri="{BB962C8B-B14F-4D97-AF65-F5344CB8AC3E}">
+        <p14:creationId xmlns:p14="http://schemas.microsoft.com/office/powerpoint/2010/main" val="4096313317"/>
+      </p:ext>
+    </p:extLst>
+  </p:cSld>
+  <p:clrMapOvr>
+    <a:masterClrMapping/>
+  </p:clrMapOvr>
+</p:sld>
+</file>
+
+<file path=ppt/slides/slide20.xml><?xml version="1.0" encoding="utf-8"?>
 <p:sld xmlns:a="http://schemas.openxmlformats.org/drawingml/2006/main" xmlns:r="http://schemas.openxmlformats.org/officeDocument/2006/relationships" xmlns:p="http://schemas.openxmlformats.org/presentationml/2006/main">
   <p:cSld>
     <p:spTree>
@@ -5576,224 +6069,7 @@
 </p:sld>
 </file>
 
-<file path=ppt/slides/slide2.xml><?xml version="1.0" encoding="utf-8"?>
-<p:sld xmlns:a="http://schemas.openxmlformats.org/drawingml/2006/main" xmlns:r="http://schemas.openxmlformats.org/officeDocument/2006/relationships" xmlns:p="http://schemas.openxmlformats.org/presentationml/2006/main">
-  <p:cSld>
-    <p:spTree>
-      <p:nvGrpSpPr>
-        <p:cNvPr id="1" name=""/>
-        <p:cNvGrpSpPr/>
-        <p:nvPr/>
-      </p:nvGrpSpPr>
-      <p:grpSpPr>
-        <a:xfrm>
-          <a:off x="0" y="0"/>
-          <a:ext cx="0" cy="0"/>
-          <a:chOff x="0" y="0"/>
-          <a:chExt cx="0" cy="0"/>
-        </a:xfrm>
-      </p:grpSpPr>
-      <p:sp>
-        <p:nvSpPr>
-          <p:cNvPr id="2" name="Titel 1">
-            <a:extLst>
-              <a:ext uri="{FF2B5EF4-FFF2-40B4-BE49-F238E27FC236}">
-                <a16:creationId xmlns:a16="http://schemas.microsoft.com/office/drawing/2014/main" id="{D0B2F93A-946C-320A-7AAD-26C71E7E5062}"/>
-              </a:ext>
-            </a:extLst>
-          </p:cNvPr>
-          <p:cNvSpPr>
-            <a:spLocks noGrp="1"/>
-          </p:cNvSpPr>
-          <p:nvPr>
-            <p:ph type="title"/>
-          </p:nvPr>
-        </p:nvSpPr>
-        <p:spPr/>
-        <p:txBody>
-          <a:bodyPr/>
-          <a:lstStyle/>
-          <a:p>
-            <a:r>
-              <a:rPr lang="de-DE" dirty="0" err="1"/>
-              <a:t>Recap</a:t>
-            </a:r>
-            <a:r>
-              <a:rPr lang="de-DE" dirty="0"/>
-              <a:t>: Funktionale Programmierung</a:t>
-            </a:r>
-          </a:p>
-        </p:txBody>
-      </p:sp>
-      <p:sp>
-        <p:nvSpPr>
-          <p:cNvPr id="3" name="Inhaltsplatzhalter 2">
-            <a:extLst>
-              <a:ext uri="{FF2B5EF4-FFF2-40B4-BE49-F238E27FC236}">
-                <a16:creationId xmlns:a16="http://schemas.microsoft.com/office/drawing/2014/main" id="{9160BB67-194F-F5B4-543E-03F5A763020B}"/>
-              </a:ext>
-            </a:extLst>
-          </p:cNvPr>
-          <p:cNvSpPr>
-            <a:spLocks noGrp="1"/>
-          </p:cNvSpPr>
-          <p:nvPr>
-            <p:ph idx="1"/>
-          </p:nvPr>
-        </p:nvSpPr>
-        <p:spPr/>
-        <p:txBody>
-          <a:bodyPr/>
-          <a:lstStyle/>
-          <a:p>
-            <a:r>
-              <a:rPr lang="de-DE" sz="1800" dirty="0">
-                <a:effectLst/>
-                <a:latin typeface="Calibri" panose="020F0502020204030204" pitchFamily="34" charset="0"/>
-                <a:ea typeface="Calibri" panose="020F0502020204030204" pitchFamily="34" charset="0"/>
-                <a:cs typeface="Times New Roman" panose="02020603050405020304" pitchFamily="18" charset="0"/>
-              </a:rPr>
-              <a:t>Reine Funktionen: keine Seiteneffekte</a:t>
-            </a:r>
-          </a:p>
-          <a:p>
-            <a:r>
-              <a:rPr lang="de-DE" sz="1800" kern="100" dirty="0">
-                <a:effectLst/>
-                <a:latin typeface="Calibri" panose="020F0502020204030204" pitchFamily="34" charset="0"/>
-                <a:ea typeface="Calibri" panose="020F0502020204030204" pitchFamily="34" charset="0"/>
-                <a:cs typeface="Times New Roman" panose="02020603050405020304" pitchFamily="18" charset="0"/>
-              </a:rPr>
-              <a:t>Unveränderliche Datenstrukturen</a:t>
-            </a:r>
-          </a:p>
-          <a:p>
-            <a:r>
-              <a:rPr lang="de-DE" sz="1800" kern="100" dirty="0">
-                <a:effectLst/>
-                <a:latin typeface="Calibri" panose="020F0502020204030204" pitchFamily="34" charset="0"/>
-                <a:ea typeface="Calibri" panose="020F0502020204030204" pitchFamily="34" charset="0"/>
-                <a:cs typeface="Times New Roman" panose="02020603050405020304" pitchFamily="18" charset="0"/>
-              </a:rPr>
-              <a:t>Funktion höherer Ordnung: </a:t>
-            </a:r>
-            <a:r>
-              <a:rPr lang="de-DE" sz="1800" kern="100" dirty="0" err="1">
-                <a:effectLst/>
-                <a:latin typeface="Calibri" panose="020F0502020204030204" pitchFamily="34" charset="0"/>
-                <a:ea typeface="Calibri" panose="020F0502020204030204" pitchFamily="34" charset="0"/>
-                <a:cs typeface="Times New Roman" panose="02020603050405020304" pitchFamily="18" charset="0"/>
-              </a:rPr>
-              <a:t>functions</a:t>
-            </a:r>
-            <a:r>
-              <a:rPr lang="de-DE" sz="1800" kern="100" dirty="0">
-                <a:effectLst/>
-                <a:latin typeface="Calibri" panose="020F0502020204030204" pitchFamily="34" charset="0"/>
-                <a:ea typeface="Calibri" panose="020F0502020204030204" pitchFamily="34" charset="0"/>
-                <a:cs typeface="Times New Roman" panose="02020603050405020304" pitchFamily="18" charset="0"/>
-              </a:rPr>
-              <a:t> als Parameter oder </a:t>
-            </a:r>
-            <a:r>
-              <a:rPr lang="de-DE" sz="1800" kern="100" dirty="0" err="1">
-                <a:effectLst/>
-                <a:latin typeface="Calibri" panose="020F0502020204030204" pitchFamily="34" charset="0"/>
-                <a:ea typeface="Calibri" panose="020F0502020204030204" pitchFamily="34" charset="0"/>
-                <a:cs typeface="Times New Roman" panose="02020603050405020304" pitchFamily="18" charset="0"/>
-              </a:rPr>
-              <a:t>return</a:t>
-            </a:r>
-            <a:r>
-              <a:rPr lang="de-DE" sz="1800" kern="100" dirty="0">
-                <a:effectLst/>
-                <a:latin typeface="Calibri" panose="020F0502020204030204" pitchFamily="34" charset="0"/>
-                <a:ea typeface="Calibri" panose="020F0502020204030204" pitchFamily="34" charset="0"/>
-                <a:cs typeface="Times New Roman" panose="02020603050405020304" pitchFamily="18" charset="0"/>
-              </a:rPr>
-              <a:t> </a:t>
-            </a:r>
-            <a:r>
-              <a:rPr lang="de-DE" sz="1800" kern="100" dirty="0" err="1">
-                <a:effectLst/>
-                <a:latin typeface="Calibri" panose="020F0502020204030204" pitchFamily="34" charset="0"/>
-                <a:ea typeface="Calibri" panose="020F0502020204030204" pitchFamily="34" charset="0"/>
-                <a:cs typeface="Times New Roman" panose="02020603050405020304" pitchFamily="18" charset="0"/>
-              </a:rPr>
-              <a:t>value</a:t>
-            </a:r>
-            <a:endParaRPr lang="de-DE" sz="1800" kern="100" dirty="0">
-              <a:effectLst/>
-              <a:latin typeface="Calibri" panose="020F0502020204030204" pitchFamily="34" charset="0"/>
-              <a:ea typeface="Calibri" panose="020F0502020204030204" pitchFamily="34" charset="0"/>
-              <a:cs typeface="Times New Roman" panose="02020603050405020304" pitchFamily="18" charset="0"/>
-            </a:endParaRPr>
-          </a:p>
-          <a:p>
-            <a:r>
-              <a:rPr lang="de-DE" sz="1800" kern="100" dirty="0" err="1">
-                <a:effectLst/>
-                <a:latin typeface="Calibri" panose="020F0502020204030204" pitchFamily="34" charset="0"/>
-                <a:ea typeface="Calibri" panose="020F0502020204030204" pitchFamily="34" charset="0"/>
-                <a:cs typeface="Times New Roman" panose="02020603050405020304" pitchFamily="18" charset="0"/>
-              </a:rPr>
-              <a:t>Lazy</a:t>
-            </a:r>
-            <a:r>
-              <a:rPr lang="de-DE" sz="1800" kern="100" dirty="0">
-                <a:effectLst/>
-                <a:latin typeface="Calibri" panose="020F0502020204030204" pitchFamily="34" charset="0"/>
-                <a:ea typeface="Calibri" panose="020F0502020204030204" pitchFamily="34" charset="0"/>
-                <a:cs typeface="Times New Roman" panose="02020603050405020304" pitchFamily="18" charset="0"/>
-              </a:rPr>
-              <a:t> </a:t>
-            </a:r>
-            <a:r>
-              <a:rPr lang="de-DE" sz="1800" kern="100" dirty="0" err="1">
-                <a:effectLst/>
-                <a:latin typeface="Calibri" panose="020F0502020204030204" pitchFamily="34" charset="0"/>
-                <a:ea typeface="Calibri" panose="020F0502020204030204" pitchFamily="34" charset="0"/>
-                <a:cs typeface="Times New Roman" panose="02020603050405020304" pitchFamily="18" charset="0"/>
-              </a:rPr>
-              <a:t>evaluation</a:t>
-            </a:r>
-            <a:endParaRPr lang="de-DE" sz="1800" kern="100" dirty="0">
-              <a:effectLst/>
-              <a:latin typeface="Calibri" panose="020F0502020204030204" pitchFamily="34" charset="0"/>
-              <a:ea typeface="Calibri" panose="020F0502020204030204" pitchFamily="34" charset="0"/>
-              <a:cs typeface="Times New Roman" panose="02020603050405020304" pitchFamily="18" charset="0"/>
-            </a:endParaRPr>
-          </a:p>
-          <a:p>
-            <a:r>
-              <a:rPr lang="de-DE" sz="1800" kern="100" dirty="0">
-                <a:effectLst/>
-                <a:latin typeface="Calibri" panose="020F0502020204030204" pitchFamily="34" charset="0"/>
-                <a:ea typeface="Calibri" panose="020F0502020204030204" pitchFamily="34" charset="0"/>
-                <a:cs typeface="Times New Roman" panose="02020603050405020304" pitchFamily="18" charset="0"/>
-              </a:rPr>
-              <a:t>Keine Loops, nur Rekursion</a:t>
-            </a:r>
-          </a:p>
-          <a:p>
-            <a:endParaRPr lang="de-DE" dirty="0"/>
-          </a:p>
-        </p:txBody>
-      </p:sp>
-    </p:spTree>
-    <p:extLst>
-      <p:ext uri="{BB962C8B-B14F-4D97-AF65-F5344CB8AC3E}">
-        <p14:creationId xmlns:p14="http://schemas.microsoft.com/office/powerpoint/2010/main" val="4096313317"/>
-      </p:ext>
-    </p:extLst>
-  </p:cSld>
-  <p:clrMapOvr>
-    <a:masterClrMapping/>
-  </p:clrMapOvr>
-</p:sld>
-</file>
-
-<file path=ppt/slides/slide20.xml><?xml version="1.0" encoding="utf-8"?>
+<file path=ppt/slides/slide21.xml><?xml version="1.0" encoding="utf-8"?>
 <p:sld xmlns:a="http://schemas.openxmlformats.org/drawingml/2006/main" xmlns:r="http://schemas.openxmlformats.org/officeDocument/2006/relationships" xmlns:p="http://schemas.openxmlformats.org/presentationml/2006/main">
   <p:cSld>
     <p:spTree>
@@ -6185,7 +6461,7 @@
 </p:sld>
 </file>
 
-<file path=ppt/slides/slide21.xml><?xml version="1.0" encoding="utf-8"?>
+<file path=ppt/slides/slide22.xml><?xml version="1.0" encoding="utf-8"?>
 <p:sld xmlns:a="http://schemas.openxmlformats.org/drawingml/2006/main" xmlns:r="http://schemas.openxmlformats.org/officeDocument/2006/relationships" xmlns:p="http://schemas.openxmlformats.org/presentationml/2006/main">
   <p:cSld>
     <p:spTree>
@@ -6365,7 +6641,7 @@
 </p:sld>
 </file>
 
-<file path=ppt/slides/slide22.xml><?xml version="1.0" encoding="utf-8"?>
+<file path=ppt/slides/slide23.xml><?xml version="1.0" encoding="utf-8"?>
 <p:sld xmlns:a="http://schemas.openxmlformats.org/drawingml/2006/main" xmlns:r="http://schemas.openxmlformats.org/officeDocument/2006/relationships" xmlns:p="http://schemas.openxmlformats.org/presentationml/2006/main">
   <p:cSld>
     <p:spTree>
@@ -6589,7 +6865,7 @@
 </p:sld>
 </file>
 
-<file path=ppt/slides/slide23.xml><?xml version="1.0" encoding="utf-8"?>
+<file path=ppt/slides/slide24.xml><?xml version="1.0" encoding="utf-8"?>
 <p:sld xmlns:a="http://schemas.openxmlformats.org/drawingml/2006/main" xmlns:r="http://schemas.openxmlformats.org/officeDocument/2006/relationships" xmlns:p="http://schemas.openxmlformats.org/presentationml/2006/main">
   <p:cSld>
     <p:spTree>
@@ -6813,7 +7089,7 @@
 </p:sld>
 </file>
 
-<file path=ppt/slides/slide24.xml><?xml version="1.0" encoding="utf-8"?>
+<file path=ppt/slides/slide25.xml><?xml version="1.0" encoding="utf-8"?>
 <p:sld xmlns:a="http://schemas.openxmlformats.org/drawingml/2006/main" xmlns:r="http://schemas.openxmlformats.org/officeDocument/2006/relationships" xmlns:p="http://schemas.openxmlformats.org/presentationml/2006/main">
   <p:cSld>
     <p:spTree>
@@ -7123,7 +7399,7 @@
 </p:sld>
 </file>
 
-<file path=ppt/slides/slide25.xml><?xml version="1.0" encoding="utf-8"?>
+<file path=ppt/slides/slide26.xml><?xml version="1.0" encoding="utf-8"?>
 <p:sld xmlns:a="http://schemas.openxmlformats.org/drawingml/2006/main" xmlns:r="http://schemas.openxmlformats.org/officeDocument/2006/relationships" xmlns:p="http://schemas.openxmlformats.org/presentationml/2006/main">
   <p:cSld>
     <p:spTree>
@@ -7347,7 +7623,7 @@
 </p:sld>
 </file>
 
-<file path=ppt/slides/slide26.xml><?xml version="1.0" encoding="utf-8"?>
+<file path=ppt/slides/slide27.xml><?xml version="1.0" encoding="utf-8"?>
 <p:sld xmlns:a="http://schemas.openxmlformats.org/drawingml/2006/main" xmlns:r="http://schemas.openxmlformats.org/officeDocument/2006/relationships" xmlns:p="http://schemas.openxmlformats.org/presentationml/2006/main">
   <p:cSld>
     <p:spTree>
@@ -7570,7 +7846,7 @@
 </p:sld>
 </file>
 
-<file path=ppt/slides/slide27.xml><?xml version="1.0" encoding="utf-8"?>
+<file path=ppt/slides/slide28.xml><?xml version="1.0" encoding="utf-8"?>
 <p:sld xmlns:a="http://schemas.openxmlformats.org/drawingml/2006/main" xmlns:r="http://schemas.openxmlformats.org/officeDocument/2006/relationships" xmlns:p="http://schemas.openxmlformats.org/presentationml/2006/main">
   <p:cSld>
     <p:spTree>
@@ -7751,7 +8027,7 @@
 </p:sld>
 </file>
 
-<file path=ppt/slides/slide28.xml><?xml version="1.0" encoding="utf-8"?>
+<file path=ppt/slides/slide29.xml><?xml version="1.0" encoding="utf-8"?>
 <p:sld xmlns:a="http://schemas.openxmlformats.org/drawingml/2006/main" xmlns:r="http://schemas.openxmlformats.org/officeDocument/2006/relationships" xmlns:p="http://schemas.openxmlformats.org/presentationml/2006/main">
   <p:cSld>
     <p:spTree>
@@ -7918,109 +8194,6 @@
 </p:sld>
 </file>
 
-<file path=ppt/slides/slide29.xml><?xml version="1.0" encoding="utf-8"?>
-<p:sld xmlns:a="http://schemas.openxmlformats.org/drawingml/2006/main" xmlns:r="http://schemas.openxmlformats.org/officeDocument/2006/relationships" xmlns:p="http://schemas.openxmlformats.org/presentationml/2006/main">
-  <p:cSld>
-    <p:spTree>
-      <p:nvGrpSpPr>
-        <p:cNvPr id="1" name=""/>
-        <p:cNvGrpSpPr/>
-        <p:nvPr/>
-      </p:nvGrpSpPr>
-      <p:grpSpPr>
-        <a:xfrm>
-          <a:off x="0" y="0"/>
-          <a:ext cx="0" cy="0"/>
-          <a:chOff x="0" y="0"/>
-          <a:chExt cx="0" cy="0"/>
-        </a:xfrm>
-      </p:grpSpPr>
-      <p:sp>
-        <p:nvSpPr>
-          <p:cNvPr id="2" name="Titel 1">
-            <a:extLst>
-              <a:ext uri="{FF2B5EF4-FFF2-40B4-BE49-F238E27FC236}">
-                <a16:creationId xmlns:a16="http://schemas.microsoft.com/office/drawing/2014/main" id="{87935181-A318-1D46-EFDD-2470E0D57B37}"/>
-              </a:ext>
-            </a:extLst>
-          </p:cNvPr>
-          <p:cNvSpPr>
-            <a:spLocks noGrp="1"/>
-          </p:cNvSpPr>
-          <p:nvPr>
-            <p:ph type="title"/>
-          </p:nvPr>
-        </p:nvSpPr>
-        <p:spPr/>
-        <p:txBody>
-          <a:bodyPr/>
-          <a:lstStyle/>
-          <a:p>
-            <a:r>
-              <a:rPr lang="de-DE" dirty="0"/>
-              <a:t>GUI</a:t>
-            </a:r>
-          </a:p>
-        </p:txBody>
-      </p:sp>
-      <p:sp>
-        <p:nvSpPr>
-          <p:cNvPr id="3" name="Inhaltsplatzhalter 2">
-            <a:extLst>
-              <a:ext uri="{FF2B5EF4-FFF2-40B4-BE49-F238E27FC236}">
-                <a16:creationId xmlns:a16="http://schemas.microsoft.com/office/drawing/2014/main" id="{5047C227-1D28-B0A3-E91C-8DE0546B2571}"/>
-              </a:ext>
-            </a:extLst>
-          </p:cNvPr>
-          <p:cNvSpPr>
-            <a:spLocks noGrp="1"/>
-          </p:cNvSpPr>
-          <p:nvPr>
-            <p:ph idx="1"/>
-          </p:nvPr>
-        </p:nvSpPr>
-        <p:spPr/>
-        <p:txBody>
-          <a:bodyPr/>
-          <a:lstStyle/>
-          <a:p>
-            <a:r>
-              <a:rPr lang="de-DE" dirty="0"/>
-              <a:t>Haskell: Gloss</a:t>
-            </a:r>
-          </a:p>
-          <a:p>
-            <a:endParaRPr lang="de-DE" dirty="0"/>
-          </a:p>
-          <a:p>
-            <a:r>
-              <a:rPr lang="de-DE" dirty="0"/>
-              <a:t>Go: </a:t>
-            </a:r>
-            <a:r>
-              <a:rPr lang="de-DE" dirty="0" err="1"/>
-              <a:t>Ebitenengine</a:t>
-            </a:r>
-            <a:r>
-              <a:rPr lang="de-DE" dirty="0"/>
-              <a:t> V2</a:t>
-            </a:r>
-          </a:p>
-        </p:txBody>
-      </p:sp>
-    </p:spTree>
-    <p:extLst>
-      <p:ext uri="{BB962C8B-B14F-4D97-AF65-F5344CB8AC3E}">
-        <p14:creationId xmlns:p14="http://schemas.microsoft.com/office/powerpoint/2010/main" val="675707293"/>
-      </p:ext>
-    </p:extLst>
-  </p:cSld>
-  <p:clrMapOvr>
-    <a:masterClrMapping/>
-  </p:clrMapOvr>
-</p:sld>
-</file>
-
 <file path=ppt/slides/slide3.xml><?xml version="1.0" encoding="utf-8"?>
 <p:sld xmlns:a="http://schemas.openxmlformats.org/drawingml/2006/main" xmlns:r="http://schemas.openxmlformats.org/officeDocument/2006/relationships" xmlns:p="http://schemas.openxmlformats.org/presentationml/2006/main">
   <p:cSld>
@@ -8254,6 +8427,109 @@
 </file>
 
 <file path=ppt/slides/slide30.xml><?xml version="1.0" encoding="utf-8"?>
+<p:sld xmlns:a="http://schemas.openxmlformats.org/drawingml/2006/main" xmlns:r="http://schemas.openxmlformats.org/officeDocument/2006/relationships" xmlns:p="http://schemas.openxmlformats.org/presentationml/2006/main">
+  <p:cSld>
+    <p:spTree>
+      <p:nvGrpSpPr>
+        <p:cNvPr id="1" name=""/>
+        <p:cNvGrpSpPr/>
+        <p:nvPr/>
+      </p:nvGrpSpPr>
+      <p:grpSpPr>
+        <a:xfrm>
+          <a:off x="0" y="0"/>
+          <a:ext cx="0" cy="0"/>
+          <a:chOff x="0" y="0"/>
+          <a:chExt cx="0" cy="0"/>
+        </a:xfrm>
+      </p:grpSpPr>
+      <p:sp>
+        <p:nvSpPr>
+          <p:cNvPr id="2" name="Titel 1">
+            <a:extLst>
+              <a:ext uri="{FF2B5EF4-FFF2-40B4-BE49-F238E27FC236}">
+                <a16:creationId xmlns:a16="http://schemas.microsoft.com/office/drawing/2014/main" id="{87935181-A318-1D46-EFDD-2470E0D57B37}"/>
+              </a:ext>
+            </a:extLst>
+          </p:cNvPr>
+          <p:cNvSpPr>
+            <a:spLocks noGrp="1"/>
+          </p:cNvSpPr>
+          <p:nvPr>
+            <p:ph type="title"/>
+          </p:nvPr>
+        </p:nvSpPr>
+        <p:spPr/>
+        <p:txBody>
+          <a:bodyPr/>
+          <a:lstStyle/>
+          <a:p>
+            <a:r>
+              <a:rPr lang="de-DE" dirty="0"/>
+              <a:t>GUI</a:t>
+            </a:r>
+          </a:p>
+        </p:txBody>
+      </p:sp>
+      <p:sp>
+        <p:nvSpPr>
+          <p:cNvPr id="3" name="Inhaltsplatzhalter 2">
+            <a:extLst>
+              <a:ext uri="{FF2B5EF4-FFF2-40B4-BE49-F238E27FC236}">
+                <a16:creationId xmlns:a16="http://schemas.microsoft.com/office/drawing/2014/main" id="{5047C227-1D28-B0A3-E91C-8DE0546B2571}"/>
+              </a:ext>
+            </a:extLst>
+          </p:cNvPr>
+          <p:cNvSpPr>
+            <a:spLocks noGrp="1"/>
+          </p:cNvSpPr>
+          <p:nvPr>
+            <p:ph idx="1"/>
+          </p:nvPr>
+        </p:nvSpPr>
+        <p:spPr/>
+        <p:txBody>
+          <a:bodyPr/>
+          <a:lstStyle/>
+          <a:p>
+            <a:r>
+              <a:rPr lang="de-DE" dirty="0"/>
+              <a:t>Haskell: Gloss</a:t>
+            </a:r>
+          </a:p>
+          <a:p>
+            <a:endParaRPr lang="de-DE" dirty="0"/>
+          </a:p>
+          <a:p>
+            <a:r>
+              <a:rPr lang="de-DE" dirty="0"/>
+              <a:t>Go: </a:t>
+            </a:r>
+            <a:r>
+              <a:rPr lang="de-DE" dirty="0" err="1"/>
+              <a:t>Ebitenengine</a:t>
+            </a:r>
+            <a:r>
+              <a:rPr lang="de-DE" dirty="0"/>
+              <a:t> V2</a:t>
+            </a:r>
+          </a:p>
+        </p:txBody>
+      </p:sp>
+    </p:spTree>
+    <p:extLst>
+      <p:ext uri="{BB962C8B-B14F-4D97-AF65-F5344CB8AC3E}">
+        <p14:creationId xmlns:p14="http://schemas.microsoft.com/office/powerpoint/2010/main" val="675707293"/>
+      </p:ext>
+    </p:extLst>
+  </p:cSld>
+  <p:clrMapOvr>
+    <a:masterClrMapping/>
+  </p:clrMapOvr>
+</p:sld>
+</file>
+
+<file path=ppt/slides/slide31.xml><?xml version="1.0" encoding="utf-8"?>
 <p:sld xmlns:a="http://schemas.openxmlformats.org/drawingml/2006/main" xmlns:r="http://schemas.openxmlformats.org/officeDocument/2006/relationships" xmlns:p="http://schemas.openxmlformats.org/presentationml/2006/main">
   <p:cSld>
     <p:spTree>
@@ -9161,7 +9437,7 @@
 </p:sld>
 </file>
 
-<file path=ppt/slides/slide31.xml><?xml version="1.0" encoding="utf-8"?>
+<file path=ppt/slides/slide32.xml><?xml version="1.0" encoding="utf-8"?>
 <p:sld xmlns:a="http://schemas.openxmlformats.org/drawingml/2006/main" xmlns:r="http://schemas.openxmlformats.org/officeDocument/2006/relationships" xmlns:p="http://schemas.openxmlformats.org/presentationml/2006/main">
   <p:cSld>
     <p:spTree>
